--- a/homework/API.pptx
+++ b/homework/API.pptx
@@ -203,7 +203,7 @@
           <a:p>
             <a:fld id="{097888A9-40A5-4F6D-9A1E-E5CB9F280DB2}" type="datetimeFigureOut">
               <a:rPr lang="en-US" smtClean="0"/>
-              <a:t>11/8/2024</a:t>
+              <a:t>11/19/2024</a:t>
             </a:fld>
             <a:endParaRPr lang="en-US"/>
           </a:p>
@@ -664,7 +664,7 @@
           <a:p>
             <a:fld id="{B4C71EC6-210F-42DE-9C53-41977AD35B3D}" type="datetimeFigureOut">
               <a:rPr lang="ru-RU" smtClean="0"/>
-              <a:t>08.11.2024</a:t>
+              <a:t>19.11.2024</a:t>
             </a:fld>
             <a:endParaRPr lang="ru-RU"/>
           </a:p>
@@ -929,7 +929,7 @@
           <a:p>
             <a:fld id="{B4C71EC6-210F-42DE-9C53-41977AD35B3D}" type="datetimeFigureOut">
               <a:rPr lang="ru-RU" smtClean="0"/>
-              <a:t>08.11.2024</a:t>
+              <a:t>19.11.2024</a:t>
             </a:fld>
             <a:endParaRPr lang="ru-RU"/>
           </a:p>
@@ -1104,7 +1104,7 @@
           <a:p>
             <a:fld id="{B4C71EC6-210F-42DE-9C53-41977AD35B3D}" type="datetimeFigureOut">
               <a:rPr lang="ru-RU" smtClean="0"/>
-              <a:t>08.11.2024</a:t>
+              <a:t>19.11.2024</a:t>
             </a:fld>
             <a:endParaRPr lang="ru-RU"/>
           </a:p>
@@ -1269,7 +1269,7 @@
           <a:p>
             <a:fld id="{B4C71EC6-210F-42DE-9C53-41977AD35B3D}" type="datetimeFigureOut">
               <a:rPr lang="ru-RU" smtClean="0"/>
-              <a:t>08.11.2024</a:t>
+              <a:t>19.11.2024</a:t>
             </a:fld>
             <a:endParaRPr lang="ru-RU"/>
           </a:p>
@@ -1518,7 +1518,7 @@
           <a:p>
             <a:fld id="{B4C71EC6-210F-42DE-9C53-41977AD35B3D}" type="datetimeFigureOut">
               <a:rPr lang="ru-RU" smtClean="0"/>
-              <a:t>08.11.2024</a:t>
+              <a:t>19.11.2024</a:t>
             </a:fld>
             <a:endParaRPr lang="ru-RU"/>
           </a:p>
@@ -1801,7 +1801,7 @@
           <a:p>
             <a:fld id="{B4C71EC6-210F-42DE-9C53-41977AD35B3D}" type="datetimeFigureOut">
               <a:rPr lang="ru-RU" smtClean="0"/>
-              <a:t>08.11.2024</a:t>
+              <a:t>19.11.2024</a:t>
             </a:fld>
             <a:endParaRPr lang="ru-RU"/>
           </a:p>
@@ -2240,7 +2240,7 @@
           <a:p>
             <a:fld id="{B4C71EC6-210F-42DE-9C53-41977AD35B3D}" type="datetimeFigureOut">
               <a:rPr lang="ru-RU" smtClean="0"/>
-              <a:t>08.11.2024</a:t>
+              <a:t>19.11.2024</a:t>
             </a:fld>
             <a:endParaRPr lang="ru-RU"/>
           </a:p>
@@ -2353,7 +2353,7 @@
           <a:p>
             <a:fld id="{B4C71EC6-210F-42DE-9C53-41977AD35B3D}" type="datetimeFigureOut">
               <a:rPr lang="ru-RU" smtClean="0"/>
-              <a:t>08.11.2024</a:t>
+              <a:t>19.11.2024</a:t>
             </a:fld>
             <a:endParaRPr lang="ru-RU"/>
           </a:p>
@@ -2443,7 +2443,7 @@
           <a:p>
             <a:fld id="{B4C71EC6-210F-42DE-9C53-41977AD35B3D}" type="datetimeFigureOut">
               <a:rPr lang="ru-RU" smtClean="0"/>
-              <a:t>08.11.2024</a:t>
+              <a:t>19.11.2024</a:t>
             </a:fld>
             <a:endParaRPr lang="ru-RU"/>
           </a:p>
@@ -2685,7 +2685,7 @@
           <a:p>
             <a:fld id="{B4C71EC6-210F-42DE-9C53-41977AD35B3D}" type="datetimeFigureOut">
               <a:rPr lang="ru-RU" smtClean="0"/>
-              <a:t>08.11.2024</a:t>
+              <a:t>19.11.2024</a:t>
             </a:fld>
             <a:endParaRPr lang="ru-RU"/>
           </a:p>
@@ -2979,7 +2979,7 @@
           <a:p>
             <a:fld id="{B4C71EC6-210F-42DE-9C53-41977AD35B3D}" type="datetimeFigureOut">
               <a:rPr lang="ru-RU" smtClean="0"/>
-              <a:t>08.11.2024</a:t>
+              <a:t>19.11.2024</a:t>
             </a:fld>
             <a:endParaRPr lang="ru-RU"/>
           </a:p>
@@ -3273,7 +3273,7 @@
           <a:p>
             <a:fld id="{B4C71EC6-210F-42DE-9C53-41977AD35B3D}" type="datetimeFigureOut">
               <a:rPr lang="ru-RU" smtClean="0"/>
-              <a:t>08.11.2024</a:t>
+              <a:t>19.11.2024</a:t>
             </a:fld>
             <a:endParaRPr lang="ru-RU"/>
           </a:p>
@@ -8989,7 +8989,6 @@
               <a:rPr lang="ru-RU" sz="2400" dirty="0"/>
               <a:t>ускорить ответы на повторные запросы.</a:t>
             </a:r>
-            <a:endParaRPr lang="ru-RU" sz="2400" dirty="0"/>
           </a:p>
         </p:txBody>
       </p:sp>
@@ -10156,8 +10155,19 @@
                 <a:latin typeface="Times New Roman" panose="02020603050405020304" pitchFamily="18" charset="0"/>
                 <a:cs typeface="Times New Roman" panose="02020603050405020304" pitchFamily="18" charset="0"/>
               </a:rPr>
-              <a:t>                        "value" : "percentage : Int8"</a:t>
-            </a:r>
+              <a:t>                        "value" : "percentage : </a:t>
+            </a:r>
+            <a:r>
+              <a:rPr lang="en-US" sz="2000" dirty="0" smtClean="0">
+                <a:latin typeface="Times New Roman" panose="02020603050405020304" pitchFamily="18" charset="0"/>
+                <a:cs typeface="Times New Roman" panose="02020603050405020304" pitchFamily="18" charset="0"/>
+              </a:rPr>
+              <a:t>Int64"</a:t>
+            </a:r>
+            <a:endParaRPr lang="en-US" sz="2000" dirty="0">
+              <a:latin typeface="Times New Roman" panose="02020603050405020304" pitchFamily="18" charset="0"/>
+              <a:cs typeface="Times New Roman" panose="02020603050405020304" pitchFamily="18" charset="0"/>
+            </a:endParaRPr>
           </a:p>
           <a:p>
             <a:r>
